--- a/report_gen/templates/rva-template.pptx
+++ b/report_gen/templates/rva-template.pptx
@@ -228,11 +228,11 @@
             </a:pPr>
             <a:r>
               <a:rPr lang="en-US" sz="1200" b="1" spc="300" dirty="0"/>
-              <a:t>CISA | </a:t>
+              <a:t>MCH | </a:t>
             </a:r>
             <a:r>
               <a:rPr lang="en-US" sz="1200" spc="300" dirty="0"/>
-              <a:t>CYBERSECURITY AND INFRASTRUCTURE SECURITY AGENCY</a:t>
+              <a:t>MCH CORPORATION</a:t>
             </a:r>
           </a:p>
         </p:txBody>
@@ -271,42 +271,6 @@
           </a:extLst>
         </p:spPr>
       </p:cxnSp>
-      <p:pic>
-        <p:nvPicPr>
-          <p:cNvPr id="8" name="Picture 7" descr="A close up of a sign&#10;&#10;Description automatically generated">
-            <a:extLst>
-              <a:ext uri="{FF2B5EF4-FFF2-40B4-BE49-F238E27FC236}">
-                <a16:creationId xmlns:a16="http://schemas.microsoft.com/office/drawing/2014/main" id="{82BB845F-D522-D84F-826A-4D25BD0C4BC1}"/>
-              </a:ext>
-            </a:extLst>
-          </p:cNvPr>
-          <p:cNvPicPr>
-            <a:picLocks noChangeAspect="1"/>
-          </p:cNvPicPr>
-          <p:nvPr userDrawn="1"/>
-        </p:nvPicPr>
-        <p:blipFill>
-          <a:blip r:embed="rId2" cstate="print">
-            <a:extLst>
-              <a:ext uri="{28A0092B-C50C-407E-A947-70E740481C1C}">
-                <a14:useLocalDpi xmlns:a14="http://schemas.microsoft.com/office/drawing/2010/main" val="0"/>
-              </a:ext>
-            </a:extLst>
-          </a:blip>
-          <a:stretch>
-            <a:fillRect/>
-          </a:stretch>
-        </p:blipFill>
-        <p:spPr>
-          <a:xfrm>
-            <a:off x="457200" y="5631180"/>
-            <a:ext cx="1005840" cy="1005840"/>
-          </a:xfrm>
-          <a:prstGeom prst="rect">
-            <a:avLst/>
-          </a:prstGeom>
-        </p:spPr>
-      </p:pic>
       <p:sp>
         <p:nvSpPr>
           <p:cNvPr id="2" name="TextBox 1">
@@ -608,7 +572,7 @@
                   <a:srgbClr val="5A5B5C"/>
                 </a:solidFill>
               </a:rPr>
-              <a:t>FOR OFFICIAL USE ONLY</a:t>
+              <a:t>SENSITIVE BUT UNCLASSIFIED</a:t>
             </a:r>
           </a:p>
         </p:txBody>
@@ -850,6 +814,36 @@
           </a:p>
         </p:txBody>
       </p:sp>
+      <p:pic>
+        <p:nvPicPr>
+          <p:cNvPr id="14" name="Picture 13" descr="A yellow and black logo&#10;&#10;Description automatically generated">
+            <a:extLst>
+              <a:ext uri="{FF2B5EF4-FFF2-40B4-BE49-F238E27FC236}">
+                <a16:creationId xmlns:a16="http://schemas.microsoft.com/office/drawing/2014/main" id="{19717C4E-27AF-21EA-0EFA-B2DBDCE5C189}"/>
+              </a:ext>
+            </a:extLst>
+          </p:cNvPr>
+          <p:cNvPicPr>
+            <a:picLocks noChangeAspect="1"/>
+          </p:cNvPicPr>
+          <p:nvPr userDrawn="1"/>
+        </p:nvPicPr>
+        <p:blipFill>
+          <a:blip r:embed="rId2"/>
+          <a:stretch>
+            <a:fillRect/>
+          </a:stretch>
+        </p:blipFill>
+        <p:spPr>
+          <a:xfrm>
+            <a:off x="432413" y="5871215"/>
+            <a:ext cx="1059957" cy="659529"/>
+          </a:xfrm>
+          <a:prstGeom prst="rect">
+            <a:avLst/>
+          </a:prstGeom>
+        </p:spPr>
+      </p:pic>
     </p:spTree>
     <p:extLst>
       <p:ext uri="{BB962C8B-B14F-4D97-AF65-F5344CB8AC3E}">
@@ -1073,10 +1067,10 @@
       </p:sp>
       <p:pic>
         <p:nvPicPr>
-          <p:cNvPr id="10" name="Picture 9" descr="A close up of a logo&#10;&#10;Description automatically generated">
+          <p:cNvPr id="4" name="Picture 3" descr="A yellow and black logo&#10;&#10;Description automatically generated">
             <a:extLst>
               <a:ext uri="{FF2B5EF4-FFF2-40B4-BE49-F238E27FC236}">
-                <a16:creationId xmlns:a16="http://schemas.microsoft.com/office/drawing/2014/main" id="{40A1BCC4-E0EE-094C-8D28-ECEDF7F4A354}"/>
+                <a16:creationId xmlns:a16="http://schemas.microsoft.com/office/drawing/2014/main" id="{825383B6-0FEC-4F85-3364-58E2E3664ED3}"/>
               </a:ext>
             </a:extLst>
           </p:cNvPr>
@@ -1086,21 +1080,15 @@
           <p:nvPr userDrawn="1"/>
         </p:nvPicPr>
         <p:blipFill>
-          <a:blip r:embed="rId2" cstate="print">
-            <a:extLst>
-              <a:ext uri="{28A0092B-C50C-407E-A947-70E740481C1C}">
-                <a14:useLocalDpi xmlns:a14="http://schemas.microsoft.com/office/drawing/2010/main" val="0"/>
-              </a:ext>
-            </a:extLst>
-          </a:blip>
+          <a:blip r:embed="rId2"/>
           <a:stretch>
             <a:fillRect/>
           </a:stretch>
         </p:blipFill>
         <p:spPr>
           <a:xfrm>
-            <a:off x="1054894" y="2187575"/>
-            <a:ext cx="2482850" cy="2482850"/>
+            <a:off x="1360067" y="2789293"/>
+            <a:ext cx="1872504" cy="1165114"/>
           </a:xfrm>
           <a:prstGeom prst="rect">
             <a:avLst/>
@@ -1328,42 +1316,6 @@
           </a:p>
         </p:txBody>
       </p:sp>
-      <p:pic>
-        <p:nvPicPr>
-          <p:cNvPr id="10" name="Picture 9" descr="A close up of a logo&#10;&#10;Description automatically generated">
-            <a:extLst>
-              <a:ext uri="{FF2B5EF4-FFF2-40B4-BE49-F238E27FC236}">
-                <a16:creationId xmlns:a16="http://schemas.microsoft.com/office/drawing/2014/main" id="{40A1BCC4-E0EE-094C-8D28-ECEDF7F4A354}"/>
-              </a:ext>
-            </a:extLst>
-          </p:cNvPr>
-          <p:cNvPicPr>
-            <a:picLocks noChangeAspect="1"/>
-          </p:cNvPicPr>
-          <p:nvPr userDrawn="1"/>
-        </p:nvPicPr>
-        <p:blipFill>
-          <a:blip r:embed="rId2" cstate="print">
-            <a:extLst>
-              <a:ext uri="{28A0092B-C50C-407E-A947-70E740481C1C}">
-                <a14:useLocalDpi xmlns:a14="http://schemas.microsoft.com/office/drawing/2010/main" val="0"/>
-              </a:ext>
-            </a:extLst>
-          </a:blip>
-          <a:stretch>
-            <a:fillRect/>
-          </a:stretch>
-        </p:blipFill>
-        <p:spPr>
-          <a:xfrm>
-            <a:off x="1054894" y="2187575"/>
-            <a:ext cx="2482850" cy="2482850"/>
-          </a:xfrm>
-          <a:prstGeom prst="rect">
-            <a:avLst/>
-          </a:prstGeom>
-        </p:spPr>
-      </p:pic>
       <p:sp>
         <p:nvSpPr>
           <p:cNvPr id="3" name="TextBox 2">
@@ -1778,6 +1730,36 @@
           </a:p>
         </p:txBody>
       </p:sp>
+      <p:pic>
+        <p:nvPicPr>
+          <p:cNvPr id="4" name="Picture 3" descr="A yellow and black logo&#10;&#10;Description automatically generated">
+            <a:extLst>
+              <a:ext uri="{FF2B5EF4-FFF2-40B4-BE49-F238E27FC236}">
+                <a16:creationId xmlns:a16="http://schemas.microsoft.com/office/drawing/2014/main" id="{6F9FC9DE-CF21-6E57-65F4-E1A2772A62DA}"/>
+              </a:ext>
+            </a:extLst>
+          </p:cNvPr>
+          <p:cNvPicPr>
+            <a:picLocks noChangeAspect="1"/>
+          </p:cNvPicPr>
+          <p:nvPr userDrawn="1"/>
+        </p:nvPicPr>
+        <p:blipFill>
+          <a:blip r:embed="rId2"/>
+          <a:stretch>
+            <a:fillRect/>
+          </a:stretch>
+        </p:blipFill>
+        <p:spPr>
+          <a:xfrm>
+            <a:off x="1360067" y="2789293"/>
+            <a:ext cx="1872504" cy="1165114"/>
+          </a:xfrm>
+          <a:prstGeom prst="rect">
+            <a:avLst/>
+          </a:prstGeom>
+        </p:spPr>
+      </p:pic>
     </p:spTree>
     <p:extLst>
       <p:ext uri="{BB962C8B-B14F-4D97-AF65-F5344CB8AC3E}">
@@ -1999,42 +1981,6 @@
           </a:p>
         </p:txBody>
       </p:sp>
-      <p:pic>
-        <p:nvPicPr>
-          <p:cNvPr id="10" name="Picture 9" descr="A close up of a logo&#10;&#10;Description automatically generated">
-            <a:extLst>
-              <a:ext uri="{FF2B5EF4-FFF2-40B4-BE49-F238E27FC236}">
-                <a16:creationId xmlns:a16="http://schemas.microsoft.com/office/drawing/2014/main" id="{40A1BCC4-E0EE-094C-8D28-ECEDF7F4A354}"/>
-              </a:ext>
-            </a:extLst>
-          </p:cNvPr>
-          <p:cNvPicPr>
-            <a:picLocks noChangeAspect="1"/>
-          </p:cNvPicPr>
-          <p:nvPr userDrawn="1"/>
-        </p:nvPicPr>
-        <p:blipFill>
-          <a:blip r:embed="rId2" cstate="print">
-            <a:extLst>
-              <a:ext uri="{28A0092B-C50C-407E-A947-70E740481C1C}">
-                <a14:useLocalDpi xmlns:a14="http://schemas.microsoft.com/office/drawing/2010/main" val="0"/>
-              </a:ext>
-            </a:extLst>
-          </a:blip>
-          <a:stretch>
-            <a:fillRect/>
-          </a:stretch>
-        </p:blipFill>
-        <p:spPr>
-          <a:xfrm>
-            <a:off x="1054894" y="2187575"/>
-            <a:ext cx="2482850" cy="2482850"/>
-          </a:xfrm>
-          <a:prstGeom prst="rect">
-            <a:avLst/>
-          </a:prstGeom>
-        </p:spPr>
-      </p:pic>
       <p:sp>
         <p:nvSpPr>
           <p:cNvPr id="9" name="Text Placeholder 12">
@@ -2083,6 +2029,36 @@
           </a:p>
         </p:txBody>
       </p:sp>
+      <p:pic>
+        <p:nvPicPr>
+          <p:cNvPr id="3" name="Picture 2" descr="A yellow and black logo&#10;&#10;Description automatically generated">
+            <a:extLst>
+              <a:ext uri="{FF2B5EF4-FFF2-40B4-BE49-F238E27FC236}">
+                <a16:creationId xmlns:a16="http://schemas.microsoft.com/office/drawing/2014/main" id="{11C65A30-01B0-69FB-3972-E92DDDF0A2F2}"/>
+              </a:ext>
+            </a:extLst>
+          </p:cNvPr>
+          <p:cNvPicPr>
+            <a:picLocks noChangeAspect="1"/>
+          </p:cNvPicPr>
+          <p:nvPr userDrawn="1"/>
+        </p:nvPicPr>
+        <p:blipFill>
+          <a:blip r:embed="rId2"/>
+          <a:stretch>
+            <a:fillRect/>
+          </a:stretch>
+        </p:blipFill>
+        <p:spPr>
+          <a:xfrm>
+            <a:off x="1360067" y="2789293"/>
+            <a:ext cx="1872504" cy="1165114"/>
+          </a:xfrm>
+          <a:prstGeom prst="rect">
+            <a:avLst/>
+          </a:prstGeom>
+        </p:spPr>
+      </p:pic>
     </p:spTree>
     <p:extLst>
       <p:ext uri="{BB962C8B-B14F-4D97-AF65-F5344CB8AC3E}">
@@ -2304,42 +2280,6 @@
           </a:p>
         </p:txBody>
       </p:sp>
-      <p:pic>
-        <p:nvPicPr>
-          <p:cNvPr id="10" name="Picture 9" descr="A close up of a logo&#10;&#10;Description automatically generated">
-            <a:extLst>
-              <a:ext uri="{FF2B5EF4-FFF2-40B4-BE49-F238E27FC236}">
-                <a16:creationId xmlns:a16="http://schemas.microsoft.com/office/drawing/2014/main" id="{40A1BCC4-E0EE-094C-8D28-ECEDF7F4A354}"/>
-              </a:ext>
-            </a:extLst>
-          </p:cNvPr>
-          <p:cNvPicPr>
-            <a:picLocks noChangeAspect="1"/>
-          </p:cNvPicPr>
-          <p:nvPr userDrawn="1"/>
-        </p:nvPicPr>
-        <p:blipFill>
-          <a:blip r:embed="rId2" cstate="print">
-            <a:extLst>
-              <a:ext uri="{28A0092B-C50C-407E-A947-70E740481C1C}">
-                <a14:useLocalDpi xmlns:a14="http://schemas.microsoft.com/office/drawing/2010/main" val="0"/>
-              </a:ext>
-            </a:extLst>
-          </a:blip>
-          <a:stretch>
-            <a:fillRect/>
-          </a:stretch>
-        </p:blipFill>
-        <p:spPr>
-          <a:xfrm>
-            <a:off x="1054894" y="2187575"/>
-            <a:ext cx="2482850" cy="2482850"/>
-          </a:xfrm>
-          <a:prstGeom prst="rect">
-            <a:avLst/>
-          </a:prstGeom>
-        </p:spPr>
-      </p:pic>
       <p:sp>
         <p:nvSpPr>
           <p:cNvPr id="3" name="TextBox 2">
@@ -2401,8 +2341,8 @@
         </p:nvSpPr>
         <p:spPr bwMode="auto">
           <a:xfrm>
-            <a:off x="5212325" y="1973907"/>
-            <a:ext cx="3717749" cy="2769989"/>
+            <a:off x="6584496" y="1973907"/>
+            <a:ext cx="2345578" cy="2769989"/>
           </a:xfrm>
           <a:prstGeom prst="rect">
             <a:avLst/>
@@ -2566,20 +2506,14 @@
               <a:defRPr/>
             </a:pPr>
             <a:r>
-              <a:rPr lang="en-US" altLang="en-US" sz="1800" b="1" dirty="0" err="1">
+              <a:rPr lang="en-US" altLang="en-US" sz="1800" b="1" dirty="0">
                 <a:solidFill>
                   <a:srgbClr val="5A5B5C"/>
                 </a:solidFill>
                 <a:latin typeface="+mn-lt"/>
               </a:rPr>
-              <a:t>cisa.gov</a:t>
+              <a:t>mchcorp.com</a:t>
             </a:r>
-            <a:endParaRPr lang="en-US" altLang="en-US" sz="1800" b="1" dirty="0">
-              <a:solidFill>
-                <a:srgbClr val="5A5B5C"/>
-              </a:solidFill>
-              <a:latin typeface="+mn-lt"/>
-            </a:endParaRPr>
           </a:p>
           <a:p>
             <a:pPr algn="r">
@@ -2620,20 +2554,14 @@
               <a:defRPr/>
             </a:pPr>
             <a:r>
-              <a:rPr lang="en-US" altLang="en-US" sz="1800" b="1" dirty="0" err="1">
+              <a:rPr lang="en-US" altLang="en-US" sz="1800" b="1" dirty="0">
                 <a:solidFill>
                   <a:srgbClr val="5A5B5C"/>
                 </a:solidFill>
                 <a:latin typeface="+mn-lt"/>
               </a:rPr>
-              <a:t>vulnerability_info@cisa.dhs.gov</a:t>
+              <a:t>info@mchcorp.com</a:t>
             </a:r>
-            <a:endParaRPr lang="en-US" altLang="en-US" sz="1800" b="1" dirty="0">
-              <a:solidFill>
-                <a:srgbClr val="5A5B5C"/>
-              </a:solidFill>
-              <a:latin typeface="+mn-lt"/>
-            </a:endParaRPr>
           </a:p>
           <a:p>
             <a:pPr algn="r">
@@ -2676,6 +2604,36 @@
           </a:p>
         </p:txBody>
       </p:sp>
+      <p:pic>
+        <p:nvPicPr>
+          <p:cNvPr id="5" name="Picture 4" descr="A yellow and black logo&#10;&#10;Description automatically generated">
+            <a:extLst>
+              <a:ext uri="{FF2B5EF4-FFF2-40B4-BE49-F238E27FC236}">
+                <a16:creationId xmlns:a16="http://schemas.microsoft.com/office/drawing/2014/main" id="{DA3BBDDE-9FCA-3AF9-0DF0-44D5E2296A1B}"/>
+              </a:ext>
+            </a:extLst>
+          </p:cNvPr>
+          <p:cNvPicPr>
+            <a:picLocks noChangeAspect="1"/>
+          </p:cNvPicPr>
+          <p:nvPr userDrawn="1"/>
+        </p:nvPicPr>
+        <p:blipFill>
+          <a:blip r:embed="rId2"/>
+          <a:stretch>
+            <a:fillRect/>
+          </a:stretch>
+        </p:blipFill>
+        <p:spPr>
+          <a:xfrm>
+            <a:off x="1360067" y="2789293"/>
+            <a:ext cx="1872504" cy="1165114"/>
+          </a:xfrm>
+          <a:prstGeom prst="rect">
+            <a:avLst/>
+          </a:prstGeom>
+        </p:spPr>
+      </p:pic>
     </p:spTree>
     <p:extLst>
       <p:ext uri="{BB962C8B-B14F-4D97-AF65-F5344CB8AC3E}">
@@ -2757,41 +2715,6 @@
           </a:p>
         </p:txBody>
       </p:sp>
-      <p:pic>
-        <p:nvPicPr>
-          <p:cNvPr id="11" name="Picture 10">
-            <a:extLst>
-              <a:ext uri="{FF2B5EF4-FFF2-40B4-BE49-F238E27FC236}">
-                <a16:creationId xmlns:a16="http://schemas.microsoft.com/office/drawing/2014/main" id="{C9E1FD5B-EEFF-6F47-8C3B-F2AD15E46211}"/>
-              </a:ext>
-            </a:extLst>
-          </p:cNvPr>
-          <p:cNvPicPr>
-            <a:picLocks noChangeAspect="1"/>
-          </p:cNvPicPr>
-          <p:nvPr userDrawn="1"/>
-        </p:nvPicPr>
-        <p:blipFill>
-          <a:blip r:embed="rId2" cstate="print">
-            <a:extLst>
-              <a:ext uri="{28A0092B-C50C-407E-A947-70E740481C1C}">
-                <a14:useLocalDpi xmlns:a14="http://schemas.microsoft.com/office/drawing/2010/main" val="0"/>
-              </a:ext>
-            </a:extLst>
-          </a:blip>
-          <a:srcRect/>
-          <a:stretch/>
-        </p:blipFill>
-        <p:spPr>
-          <a:xfrm>
-            <a:off x="445930" y="5896740"/>
-            <a:ext cx="685800" cy="682682"/>
-          </a:xfrm>
-          <a:prstGeom prst="rect">
-            <a:avLst/>
-          </a:prstGeom>
-        </p:spPr>
-      </p:pic>
       <p:sp>
         <p:nvSpPr>
           <p:cNvPr id="6" name="Rectangle 5">
@@ -3230,6 +3153,36 @@
           </a:p>
         </p:txBody>
       </p:sp>
+      <p:pic>
+        <p:nvPicPr>
+          <p:cNvPr id="8" name="Picture 7" descr="A yellow and black logo&#10;&#10;Description automatically generated">
+            <a:extLst>
+              <a:ext uri="{FF2B5EF4-FFF2-40B4-BE49-F238E27FC236}">
+                <a16:creationId xmlns:a16="http://schemas.microsoft.com/office/drawing/2014/main" id="{91A019DE-5A5B-19DA-C861-3DA1E7EC02D8}"/>
+              </a:ext>
+            </a:extLst>
+          </p:cNvPr>
+          <p:cNvPicPr>
+            <a:picLocks noChangeAspect="1"/>
+          </p:cNvPicPr>
+          <p:nvPr userDrawn="1"/>
+        </p:nvPicPr>
+        <p:blipFill>
+          <a:blip r:embed="rId2"/>
+          <a:stretch>
+            <a:fillRect/>
+          </a:stretch>
+        </p:blipFill>
+        <p:spPr>
+          <a:xfrm>
+            <a:off x="432413" y="6042249"/>
+            <a:ext cx="785081" cy="488495"/>
+          </a:xfrm>
+          <a:prstGeom prst="rect">
+            <a:avLst/>
+          </a:prstGeom>
+        </p:spPr>
+      </p:pic>
     </p:spTree>
     <p:extLst>
       <p:ext uri="{BB962C8B-B14F-4D97-AF65-F5344CB8AC3E}">
@@ -3356,41 +3309,6 @@
           </a:p>
         </p:txBody>
       </p:sp>
-      <p:pic>
-        <p:nvPicPr>
-          <p:cNvPr id="10" name="Picture 9">
-            <a:extLst>
-              <a:ext uri="{FF2B5EF4-FFF2-40B4-BE49-F238E27FC236}">
-                <a16:creationId xmlns:a16="http://schemas.microsoft.com/office/drawing/2014/main" id="{7F2CA565-8683-0C42-85E2-7223F3A06108}"/>
-              </a:ext>
-            </a:extLst>
-          </p:cNvPr>
-          <p:cNvPicPr>
-            <a:picLocks noChangeAspect="1"/>
-          </p:cNvPicPr>
-          <p:nvPr userDrawn="1"/>
-        </p:nvPicPr>
-        <p:blipFill>
-          <a:blip r:embed="rId2" cstate="print">
-            <a:extLst>
-              <a:ext uri="{28A0092B-C50C-407E-A947-70E740481C1C}">
-                <a14:useLocalDpi xmlns:a14="http://schemas.microsoft.com/office/drawing/2010/main" val="0"/>
-              </a:ext>
-            </a:extLst>
-          </a:blip>
-          <a:srcRect/>
-          <a:stretch/>
-        </p:blipFill>
-        <p:spPr>
-          <a:xfrm>
-            <a:off x="445930" y="5896740"/>
-            <a:ext cx="685800" cy="682682"/>
-          </a:xfrm>
-          <a:prstGeom prst="rect">
-            <a:avLst/>
-          </a:prstGeom>
-        </p:spPr>
-      </p:pic>
       <p:sp>
         <p:nvSpPr>
           <p:cNvPr id="5" name="Text Placeholder 4">
@@ -3437,6 +3355,36 @@
           </a:p>
         </p:txBody>
       </p:sp>
+      <p:pic>
+        <p:nvPicPr>
+          <p:cNvPr id="2" name="Picture 1" descr="A yellow and black logo&#10;&#10;Description automatically generated">
+            <a:extLst>
+              <a:ext uri="{FF2B5EF4-FFF2-40B4-BE49-F238E27FC236}">
+                <a16:creationId xmlns:a16="http://schemas.microsoft.com/office/drawing/2014/main" id="{5D5C33FA-0098-36C7-B419-46B498B9B365}"/>
+              </a:ext>
+            </a:extLst>
+          </p:cNvPr>
+          <p:cNvPicPr>
+            <a:picLocks noChangeAspect="1"/>
+          </p:cNvPicPr>
+          <p:nvPr userDrawn="1"/>
+        </p:nvPicPr>
+        <p:blipFill>
+          <a:blip r:embed="rId2"/>
+          <a:stretch>
+            <a:fillRect/>
+          </a:stretch>
+        </p:blipFill>
+        <p:spPr>
+          <a:xfrm>
+            <a:off x="432413" y="6042249"/>
+            <a:ext cx="785081" cy="488495"/>
+          </a:xfrm>
+          <a:prstGeom prst="rect">
+            <a:avLst/>
+          </a:prstGeom>
+        </p:spPr>
+      </p:pic>
     </p:spTree>
     <p:extLst>
       <p:ext uri="{BB962C8B-B14F-4D97-AF65-F5344CB8AC3E}">
@@ -3518,41 +3466,6 @@
           </a:p>
         </p:txBody>
       </p:sp>
-      <p:pic>
-        <p:nvPicPr>
-          <p:cNvPr id="10" name="Picture 9">
-            <a:extLst>
-              <a:ext uri="{FF2B5EF4-FFF2-40B4-BE49-F238E27FC236}">
-                <a16:creationId xmlns:a16="http://schemas.microsoft.com/office/drawing/2014/main" id="{7F2CA565-8683-0C42-85E2-7223F3A06108}"/>
-              </a:ext>
-            </a:extLst>
-          </p:cNvPr>
-          <p:cNvPicPr>
-            <a:picLocks noChangeAspect="1"/>
-          </p:cNvPicPr>
-          <p:nvPr userDrawn="1"/>
-        </p:nvPicPr>
-        <p:blipFill>
-          <a:blip r:embed="rId2" cstate="print">
-            <a:extLst>
-              <a:ext uri="{28A0092B-C50C-407E-A947-70E740481C1C}">
-                <a14:useLocalDpi xmlns:a14="http://schemas.microsoft.com/office/drawing/2010/main" val="0"/>
-              </a:ext>
-            </a:extLst>
-          </a:blip>
-          <a:srcRect/>
-          <a:stretch/>
-        </p:blipFill>
-        <p:spPr>
-          <a:xfrm>
-            <a:off x="445930" y="5896740"/>
-            <a:ext cx="685800" cy="682682"/>
-          </a:xfrm>
-          <a:prstGeom prst="rect">
-            <a:avLst/>
-          </a:prstGeom>
-        </p:spPr>
-      </p:pic>
       <p:sp>
         <p:nvSpPr>
           <p:cNvPr id="5" name="Text Placeholder 4">
@@ -3646,6 +3559,36 @@
           </a:p>
         </p:txBody>
       </p:sp>
+      <p:pic>
+        <p:nvPicPr>
+          <p:cNvPr id="3" name="Picture 2" descr="A yellow and black logo&#10;&#10;Description automatically generated">
+            <a:extLst>
+              <a:ext uri="{FF2B5EF4-FFF2-40B4-BE49-F238E27FC236}">
+                <a16:creationId xmlns:a16="http://schemas.microsoft.com/office/drawing/2014/main" id="{6E6D89F6-41F1-C842-D9F5-65289651DCDF}"/>
+              </a:ext>
+            </a:extLst>
+          </p:cNvPr>
+          <p:cNvPicPr>
+            <a:picLocks noChangeAspect="1"/>
+          </p:cNvPicPr>
+          <p:nvPr userDrawn="1"/>
+        </p:nvPicPr>
+        <p:blipFill>
+          <a:blip r:embed="rId2"/>
+          <a:stretch>
+            <a:fillRect/>
+          </a:stretch>
+        </p:blipFill>
+        <p:spPr>
+          <a:xfrm>
+            <a:off x="432413" y="6042249"/>
+            <a:ext cx="785081" cy="488495"/>
+          </a:xfrm>
+          <a:prstGeom prst="rect">
+            <a:avLst/>
+          </a:prstGeom>
+        </p:spPr>
+      </p:pic>
     </p:spTree>
     <p:extLst>
       <p:ext uri="{BB962C8B-B14F-4D97-AF65-F5344CB8AC3E}">
@@ -3820,10 +3763,10 @@
       </p:sp>
       <p:pic>
         <p:nvPicPr>
-          <p:cNvPr id="6" name="Picture 5" descr="A close up of a sign&#10;&#10;Description automatically generated">
+          <p:cNvPr id="3" name="Picture 2" descr="A yellow and black logo&#10;&#10;Description automatically generated">
             <a:extLst>
               <a:ext uri="{FF2B5EF4-FFF2-40B4-BE49-F238E27FC236}">
-                <a16:creationId xmlns:a16="http://schemas.microsoft.com/office/drawing/2014/main" id="{78F4EB6B-5496-F64E-827A-7FAC86A7EF2D}"/>
+                <a16:creationId xmlns:a16="http://schemas.microsoft.com/office/drawing/2014/main" id="{EF11257F-5310-824B-46FE-A137BCF453C5}"/>
               </a:ext>
             </a:extLst>
           </p:cNvPr>
@@ -3833,21 +3776,15 @@
           <p:nvPr userDrawn="1"/>
         </p:nvPicPr>
         <p:blipFill>
-          <a:blip r:embed="rId2" cstate="print">
-            <a:extLst>
-              <a:ext uri="{28A0092B-C50C-407E-A947-70E740481C1C}">
-                <a14:useLocalDpi xmlns:a14="http://schemas.microsoft.com/office/drawing/2010/main" val="0"/>
-              </a:ext>
-            </a:extLst>
-          </a:blip>
+          <a:blip r:embed="rId2"/>
           <a:stretch>
             <a:fillRect/>
           </a:stretch>
         </p:blipFill>
         <p:spPr>
           <a:xfrm>
-            <a:off x="2286000" y="1143000"/>
-            <a:ext cx="4572000" cy="4572000"/>
+            <a:off x="3635748" y="2846443"/>
+            <a:ext cx="1872504" cy="1165114"/>
           </a:xfrm>
           <a:prstGeom prst="rect">
             <a:avLst/>
@@ -4028,10 +3965,10 @@
       </p:sp>
       <p:pic>
         <p:nvPicPr>
-          <p:cNvPr id="5" name="Picture 4" descr="A close up of a sign&#10;&#10;Description automatically generated">
+          <p:cNvPr id="4" name="Picture 3" descr="A yellow and black logo&#10;&#10;Description automatically generated">
             <a:extLst>
               <a:ext uri="{FF2B5EF4-FFF2-40B4-BE49-F238E27FC236}">
-                <a16:creationId xmlns:a16="http://schemas.microsoft.com/office/drawing/2014/main" id="{24B43326-0209-9D4B-8CBD-374B2305A684}"/>
+                <a16:creationId xmlns:a16="http://schemas.microsoft.com/office/drawing/2014/main" id="{FFA7763A-B13E-44BE-D3F6-3157D433F720}"/>
               </a:ext>
             </a:extLst>
           </p:cNvPr>
@@ -4041,21 +3978,15 @@
           <p:nvPr userDrawn="1"/>
         </p:nvPicPr>
         <p:blipFill>
-          <a:blip r:embed="rId2" cstate="print">
-            <a:extLst>
-              <a:ext uri="{28A0092B-C50C-407E-A947-70E740481C1C}">
-                <a14:useLocalDpi xmlns:a14="http://schemas.microsoft.com/office/drawing/2010/main" val="0"/>
-              </a:ext>
-            </a:extLst>
-          </a:blip>
+          <a:blip r:embed="rId2"/>
           <a:stretch>
             <a:fillRect/>
           </a:stretch>
         </p:blipFill>
         <p:spPr>
           <a:xfrm>
-            <a:off x="2286000" y="1143000"/>
-            <a:ext cx="4572000" cy="4572000"/>
+            <a:off x="3635748" y="2846443"/>
+            <a:ext cx="1872504" cy="1165114"/>
           </a:xfrm>
           <a:prstGeom prst="rect">
             <a:avLst/>
@@ -4445,10 +4376,10 @@
       </p:sp>
       <p:pic>
         <p:nvPicPr>
-          <p:cNvPr id="6" name="Picture 5">
+          <p:cNvPr id="4" name="Picture 3" descr="A yellow and black logo&#10;&#10;Description automatically generated">
             <a:extLst>
               <a:ext uri="{FF2B5EF4-FFF2-40B4-BE49-F238E27FC236}">
-                <a16:creationId xmlns:a16="http://schemas.microsoft.com/office/drawing/2014/main" id="{B85FCA61-C322-684E-896A-B4E656662C60}"/>
+                <a16:creationId xmlns:a16="http://schemas.microsoft.com/office/drawing/2014/main" id="{1FBDF96D-DB7D-36F8-FD5E-6E4309B9C7B9}"/>
               </a:ext>
             </a:extLst>
           </p:cNvPr>
@@ -4458,20 +4389,15 @@
           <p:nvPr userDrawn="1"/>
         </p:nvPicPr>
         <p:blipFill>
-          <a:blip r:embed="rId2" cstate="print">
-            <a:extLst>
-              <a:ext uri="{28A0092B-C50C-407E-A947-70E740481C1C}">
-                <a14:useLocalDpi xmlns:a14="http://schemas.microsoft.com/office/drawing/2010/main" val="0"/>
-              </a:ext>
-            </a:extLst>
-          </a:blip>
-          <a:srcRect/>
-          <a:stretch/>
+          <a:blip r:embed="rId2"/>
+          <a:stretch>
+            <a:fillRect/>
+          </a:stretch>
         </p:blipFill>
         <p:spPr>
           <a:xfrm>
-            <a:off x="445930" y="5896740"/>
-            <a:ext cx="685800" cy="682682"/>
+            <a:off x="432413" y="6042249"/>
+            <a:ext cx="785081" cy="488495"/>
           </a:xfrm>
           <a:prstGeom prst="rect">
             <a:avLst/>
@@ -4559,41 +4485,6 @@
           </a:p>
         </p:txBody>
       </p:sp>
-      <p:pic>
-        <p:nvPicPr>
-          <p:cNvPr id="11" name="Picture 10">
-            <a:extLst>
-              <a:ext uri="{FF2B5EF4-FFF2-40B4-BE49-F238E27FC236}">
-                <a16:creationId xmlns:a16="http://schemas.microsoft.com/office/drawing/2014/main" id="{C9E1FD5B-EEFF-6F47-8C3B-F2AD15E46211}"/>
-              </a:ext>
-            </a:extLst>
-          </p:cNvPr>
-          <p:cNvPicPr>
-            <a:picLocks noChangeAspect="1"/>
-          </p:cNvPicPr>
-          <p:nvPr userDrawn="1"/>
-        </p:nvPicPr>
-        <p:blipFill>
-          <a:blip r:embed="rId2" cstate="print">
-            <a:extLst>
-              <a:ext uri="{28A0092B-C50C-407E-A947-70E740481C1C}">
-                <a14:useLocalDpi xmlns:a14="http://schemas.microsoft.com/office/drawing/2010/main" val="0"/>
-              </a:ext>
-            </a:extLst>
-          </a:blip>
-          <a:srcRect/>
-          <a:stretch/>
-        </p:blipFill>
-        <p:spPr>
-          <a:xfrm>
-            <a:off x="445930" y="5896740"/>
-            <a:ext cx="685800" cy="682682"/>
-          </a:xfrm>
-          <a:prstGeom prst="rect">
-            <a:avLst/>
-          </a:prstGeom>
-        </p:spPr>
-      </p:pic>
       <p:sp>
         <p:nvSpPr>
           <p:cNvPr id="4" name="TextBox 3">
@@ -4728,6 +4619,36 @@
           </a:p>
         </p:txBody>
       </p:sp>
+      <p:pic>
+        <p:nvPicPr>
+          <p:cNvPr id="3" name="Picture 2" descr="A yellow and black logo&#10;&#10;Description automatically generated">
+            <a:extLst>
+              <a:ext uri="{FF2B5EF4-FFF2-40B4-BE49-F238E27FC236}">
+                <a16:creationId xmlns:a16="http://schemas.microsoft.com/office/drawing/2014/main" id="{EFBCF0F9-EDC0-0DA5-B57D-B2BECA74864B}"/>
+              </a:ext>
+            </a:extLst>
+          </p:cNvPr>
+          <p:cNvPicPr>
+            <a:picLocks noChangeAspect="1"/>
+          </p:cNvPicPr>
+          <p:nvPr userDrawn="1"/>
+        </p:nvPicPr>
+        <p:blipFill>
+          <a:blip r:embed="rId2"/>
+          <a:stretch>
+            <a:fillRect/>
+          </a:stretch>
+        </p:blipFill>
+        <p:spPr>
+          <a:xfrm>
+            <a:off x="432413" y="5871215"/>
+            <a:ext cx="1059957" cy="659529"/>
+          </a:xfrm>
+          <a:prstGeom prst="rect">
+            <a:avLst/>
+          </a:prstGeom>
+        </p:spPr>
+      </p:pic>
     </p:spTree>
     <p:extLst>
       <p:ext uri="{BB962C8B-B14F-4D97-AF65-F5344CB8AC3E}">
@@ -4809,41 +4730,6 @@
           </a:p>
         </p:txBody>
       </p:sp>
-      <p:pic>
-        <p:nvPicPr>
-          <p:cNvPr id="11" name="Picture 10">
-            <a:extLst>
-              <a:ext uri="{FF2B5EF4-FFF2-40B4-BE49-F238E27FC236}">
-                <a16:creationId xmlns:a16="http://schemas.microsoft.com/office/drawing/2014/main" id="{C9E1FD5B-EEFF-6F47-8C3B-F2AD15E46211}"/>
-              </a:ext>
-            </a:extLst>
-          </p:cNvPr>
-          <p:cNvPicPr>
-            <a:picLocks noChangeAspect="1"/>
-          </p:cNvPicPr>
-          <p:nvPr userDrawn="1"/>
-        </p:nvPicPr>
-        <p:blipFill>
-          <a:blip r:embed="rId2" cstate="print">
-            <a:extLst>
-              <a:ext uri="{28A0092B-C50C-407E-A947-70E740481C1C}">
-                <a14:useLocalDpi xmlns:a14="http://schemas.microsoft.com/office/drawing/2010/main" val="0"/>
-              </a:ext>
-            </a:extLst>
-          </a:blip>
-          <a:srcRect/>
-          <a:stretch/>
-        </p:blipFill>
-        <p:spPr>
-          <a:xfrm>
-            <a:off x="445930" y="5896740"/>
-            <a:ext cx="685800" cy="682682"/>
-          </a:xfrm>
-          <a:prstGeom prst="rect">
-            <a:avLst/>
-          </a:prstGeom>
-        </p:spPr>
-      </p:pic>
       <p:sp>
         <p:nvSpPr>
           <p:cNvPr id="4" name="TextBox 3">
@@ -5037,6 +4923,36 @@
           </a:p>
         </p:txBody>
       </p:sp>
+      <p:pic>
+        <p:nvPicPr>
+          <p:cNvPr id="3" name="Picture 2" descr="A yellow and black logo&#10;&#10;Description automatically generated">
+            <a:extLst>
+              <a:ext uri="{FF2B5EF4-FFF2-40B4-BE49-F238E27FC236}">
+                <a16:creationId xmlns:a16="http://schemas.microsoft.com/office/drawing/2014/main" id="{62FB4412-1D03-B406-E9D0-B2B7B4B8BB4D}"/>
+              </a:ext>
+            </a:extLst>
+          </p:cNvPr>
+          <p:cNvPicPr>
+            <a:picLocks noChangeAspect="1"/>
+          </p:cNvPicPr>
+          <p:nvPr userDrawn="1"/>
+        </p:nvPicPr>
+        <p:blipFill>
+          <a:blip r:embed="rId2"/>
+          <a:stretch>
+            <a:fillRect/>
+          </a:stretch>
+        </p:blipFill>
+        <p:spPr>
+          <a:xfrm>
+            <a:off x="432413" y="5871215"/>
+            <a:ext cx="1059957" cy="659529"/>
+          </a:xfrm>
+          <a:prstGeom prst="rect">
+            <a:avLst/>
+          </a:prstGeom>
+        </p:spPr>
+      </p:pic>
     </p:spTree>
     <p:extLst>
       <p:ext uri="{BB962C8B-B14F-4D97-AF65-F5344CB8AC3E}">
@@ -5276,41 +5192,6 @@
           </a:p>
         </p:txBody>
       </p:sp>
-      <p:pic>
-        <p:nvPicPr>
-          <p:cNvPr id="11" name="Picture 10">
-            <a:extLst>
-              <a:ext uri="{FF2B5EF4-FFF2-40B4-BE49-F238E27FC236}">
-                <a16:creationId xmlns:a16="http://schemas.microsoft.com/office/drawing/2014/main" id="{C9E1FD5B-EEFF-6F47-8C3B-F2AD15E46211}"/>
-              </a:ext>
-            </a:extLst>
-          </p:cNvPr>
-          <p:cNvPicPr>
-            <a:picLocks noChangeAspect="1"/>
-          </p:cNvPicPr>
-          <p:nvPr userDrawn="1"/>
-        </p:nvPicPr>
-        <p:blipFill>
-          <a:blip r:embed="rId2" cstate="print">
-            <a:extLst>
-              <a:ext uri="{28A0092B-C50C-407E-A947-70E740481C1C}">
-                <a14:useLocalDpi xmlns:a14="http://schemas.microsoft.com/office/drawing/2010/main" val="0"/>
-              </a:ext>
-            </a:extLst>
-          </a:blip>
-          <a:srcRect/>
-          <a:stretch/>
-        </p:blipFill>
-        <p:spPr>
-          <a:xfrm>
-            <a:off x="445930" y="5896740"/>
-            <a:ext cx="685800" cy="682682"/>
-          </a:xfrm>
-          <a:prstGeom prst="rect">
-            <a:avLst/>
-          </a:prstGeom>
-        </p:spPr>
-      </p:pic>
       <p:graphicFrame>
         <p:nvGraphicFramePr>
           <p:cNvPr id="2" name="Table 1">
@@ -6355,6 +6236,36 @@
           </a:p>
         </p:txBody>
       </p:sp>
+      <p:pic>
+        <p:nvPicPr>
+          <p:cNvPr id="5" name="Picture 4" descr="A yellow and black logo&#10;&#10;Description automatically generated">
+            <a:extLst>
+              <a:ext uri="{FF2B5EF4-FFF2-40B4-BE49-F238E27FC236}">
+                <a16:creationId xmlns:a16="http://schemas.microsoft.com/office/drawing/2014/main" id="{96C251CF-1B68-DB28-5B4A-DA88BC81D54A}"/>
+              </a:ext>
+            </a:extLst>
+          </p:cNvPr>
+          <p:cNvPicPr>
+            <a:picLocks noChangeAspect="1"/>
+          </p:cNvPicPr>
+          <p:nvPr userDrawn="1"/>
+        </p:nvPicPr>
+        <p:blipFill>
+          <a:blip r:embed="rId2"/>
+          <a:stretch>
+            <a:fillRect/>
+          </a:stretch>
+        </p:blipFill>
+        <p:spPr>
+          <a:xfrm>
+            <a:off x="432413" y="5871215"/>
+            <a:ext cx="1059957" cy="659529"/>
+          </a:xfrm>
+          <a:prstGeom prst="rect">
+            <a:avLst/>
+          </a:prstGeom>
+        </p:spPr>
+      </p:pic>
     </p:spTree>
     <p:extLst>
       <p:ext uri="{BB962C8B-B14F-4D97-AF65-F5344CB8AC3E}">
@@ -6764,10 +6675,10 @@
       </p:sp>
       <p:pic>
         <p:nvPicPr>
-          <p:cNvPr id="13" name="Picture 12">
+          <p:cNvPr id="2" name="Picture 1" descr="A yellow and black logo&#10;&#10;Description automatically generated">
             <a:extLst>
               <a:ext uri="{FF2B5EF4-FFF2-40B4-BE49-F238E27FC236}">
-                <a16:creationId xmlns:a16="http://schemas.microsoft.com/office/drawing/2014/main" id="{38FD5218-21F7-AB4F-A4F6-B3808F490283}"/>
+                <a16:creationId xmlns:a16="http://schemas.microsoft.com/office/drawing/2014/main" id="{AC540E65-AC1B-7D6D-8CEE-46005DD4C9A6}"/>
               </a:ext>
             </a:extLst>
           </p:cNvPr>
@@ -6777,20 +6688,15 @@
           <p:nvPr userDrawn="1"/>
         </p:nvPicPr>
         <p:blipFill>
-          <a:blip r:embed="rId2" cstate="print">
-            <a:extLst>
-              <a:ext uri="{28A0092B-C50C-407E-A947-70E740481C1C}">
-                <a14:useLocalDpi xmlns:a14="http://schemas.microsoft.com/office/drawing/2010/main" val="0"/>
-              </a:ext>
-            </a:extLst>
-          </a:blip>
-          <a:srcRect/>
-          <a:stretch/>
+          <a:blip r:embed="rId2"/>
+          <a:stretch>
+            <a:fillRect/>
+          </a:stretch>
         </p:blipFill>
         <p:spPr>
           <a:xfrm>
-            <a:off x="445930" y="5896740"/>
-            <a:ext cx="685800" cy="682682"/>
+            <a:off x="432413" y="5871215"/>
+            <a:ext cx="1059957" cy="659529"/>
           </a:xfrm>
           <a:prstGeom prst="rect">
             <a:avLst/>
@@ -7085,10 +6991,10 @@
       </p:sp>
       <p:pic>
         <p:nvPicPr>
-          <p:cNvPr id="11" name="Picture 10">
+          <p:cNvPr id="2" name="Picture 1" descr="A yellow and black logo&#10;&#10;Description automatically generated">
             <a:extLst>
               <a:ext uri="{FF2B5EF4-FFF2-40B4-BE49-F238E27FC236}">
-                <a16:creationId xmlns:a16="http://schemas.microsoft.com/office/drawing/2014/main" id="{C9E1FD5B-EEFF-6F47-8C3B-F2AD15E46211}"/>
+                <a16:creationId xmlns:a16="http://schemas.microsoft.com/office/drawing/2014/main" id="{8748E4A3-112E-55B2-57F9-B2ADF5AB7090}"/>
               </a:ext>
             </a:extLst>
           </p:cNvPr>
@@ -7098,20 +7004,15 @@
           <p:nvPr userDrawn="1"/>
         </p:nvPicPr>
         <p:blipFill>
-          <a:blip r:embed="rId2" cstate="print">
-            <a:extLst>
-              <a:ext uri="{28A0092B-C50C-407E-A947-70E740481C1C}">
-                <a14:useLocalDpi xmlns:a14="http://schemas.microsoft.com/office/drawing/2010/main" val="0"/>
-              </a:ext>
-            </a:extLst>
-          </a:blip>
-          <a:srcRect/>
-          <a:stretch/>
+          <a:blip r:embed="rId2"/>
+          <a:stretch>
+            <a:fillRect/>
+          </a:stretch>
         </p:blipFill>
         <p:spPr>
           <a:xfrm>
-            <a:off x="445930" y="5896740"/>
-            <a:ext cx="685800" cy="682682"/>
+            <a:off x="432413" y="5871215"/>
+            <a:ext cx="1059957" cy="659529"/>
           </a:xfrm>
           <a:prstGeom prst="rect">
             <a:avLst/>
@@ -7367,10 +7268,10 @@
       </p:sp>
       <p:pic>
         <p:nvPicPr>
-          <p:cNvPr id="12" name="Picture 11">
+          <p:cNvPr id="2" name="Picture 1" descr="A yellow and black logo&#10;&#10;Description automatically generated">
             <a:extLst>
               <a:ext uri="{FF2B5EF4-FFF2-40B4-BE49-F238E27FC236}">
-                <a16:creationId xmlns:a16="http://schemas.microsoft.com/office/drawing/2014/main" id="{5491366F-461E-C149-9BA1-833136702123}"/>
+                <a16:creationId xmlns:a16="http://schemas.microsoft.com/office/drawing/2014/main" id="{B5D3393C-273E-CE8E-B3C3-5E9F17CFAFCD}"/>
               </a:ext>
             </a:extLst>
           </p:cNvPr>
@@ -7380,20 +7281,15 @@
           <p:nvPr userDrawn="1"/>
         </p:nvPicPr>
         <p:blipFill>
-          <a:blip r:embed="rId2" cstate="print">
-            <a:extLst>
-              <a:ext uri="{28A0092B-C50C-407E-A947-70E740481C1C}">
-                <a14:useLocalDpi xmlns:a14="http://schemas.microsoft.com/office/drawing/2010/main" val="0"/>
-              </a:ext>
-            </a:extLst>
-          </a:blip>
-          <a:srcRect/>
-          <a:stretch/>
+          <a:blip r:embed="rId2"/>
+          <a:stretch>
+            <a:fillRect/>
+          </a:stretch>
         </p:blipFill>
         <p:spPr>
           <a:xfrm>
-            <a:off x="445930" y="5896740"/>
-            <a:ext cx="685800" cy="682682"/>
+            <a:off x="432413" y="5871215"/>
+            <a:ext cx="1059957" cy="659529"/>
           </a:xfrm>
           <a:prstGeom prst="rect">
             <a:avLst/>
@@ -7528,10 +7424,10 @@
       </p:sp>
       <p:pic>
         <p:nvPicPr>
-          <p:cNvPr id="10" name="Picture 9">
+          <p:cNvPr id="2" name="Picture 1" descr="A yellow and black logo&#10;&#10;Description automatically generated">
             <a:extLst>
               <a:ext uri="{FF2B5EF4-FFF2-40B4-BE49-F238E27FC236}">
-                <a16:creationId xmlns:a16="http://schemas.microsoft.com/office/drawing/2014/main" id="{7F2CA565-8683-0C42-85E2-7223F3A06108}"/>
+                <a16:creationId xmlns:a16="http://schemas.microsoft.com/office/drawing/2014/main" id="{F994F9BE-8AED-8260-EB60-AD2C2F374CB9}"/>
               </a:ext>
             </a:extLst>
           </p:cNvPr>
@@ -7541,20 +7437,15 @@
           <p:nvPr userDrawn="1"/>
         </p:nvPicPr>
         <p:blipFill>
-          <a:blip r:embed="rId2" cstate="print">
-            <a:extLst>
-              <a:ext uri="{28A0092B-C50C-407E-A947-70E740481C1C}">
-                <a14:useLocalDpi xmlns:a14="http://schemas.microsoft.com/office/drawing/2010/main" val="0"/>
-              </a:ext>
-            </a:extLst>
-          </a:blip>
-          <a:srcRect/>
-          <a:stretch/>
+          <a:blip r:embed="rId2"/>
+          <a:stretch>
+            <a:fillRect/>
+          </a:stretch>
         </p:blipFill>
         <p:spPr>
           <a:xfrm>
-            <a:off x="445930" y="5896740"/>
-            <a:ext cx="685800" cy="682682"/>
+            <a:off x="432413" y="5871215"/>
+            <a:ext cx="1059957" cy="659529"/>
           </a:xfrm>
           <a:prstGeom prst="rect">
             <a:avLst/>
@@ -7702,7 +7593,7 @@
         <p:spPr>
           <a:xfrm>
             <a:off x="533400" y="6040438"/>
-            <a:ext cx="2514600" cy="554037"/>
+            <a:ext cx="2514600" cy="246221"/>
           </a:xfrm>
           <a:prstGeom prst="rect">
             <a:avLst/>
@@ -7724,33 +7615,7 @@
                   <a:srgbClr val="C0C2C4"/>
                 </a:solidFill>
               </a:rPr>
-              <a:t>CYBERSECURITY &amp;</a:t>
-            </a:r>
-          </a:p>
-          <a:p>
-            <a:pPr>
-              <a:defRPr/>
-            </a:pPr>
-            <a:r>
-              <a:rPr lang="en-US" sz="1000" spc="300" dirty="0">
-                <a:solidFill>
-                  <a:srgbClr val="C0C2C4"/>
-                </a:solidFill>
-              </a:rPr>
-              <a:t>INFRASTRUCTURE</a:t>
-            </a:r>
-          </a:p>
-          <a:p>
-            <a:pPr>
-              <a:defRPr/>
-            </a:pPr>
-            <a:r>
-              <a:rPr lang="en-US" sz="1000" spc="300" dirty="0">
-                <a:solidFill>
-                  <a:srgbClr val="C0C2C4"/>
-                </a:solidFill>
-              </a:rPr>
-              <a:t>SECURITY AGENCY</a:t>
+              <a:t>MCH CORPORATION</a:t>
             </a:r>
           </a:p>
         </p:txBody>
